--- a/Writing_tool_scheme.pptx
+++ b/Writing_tool_scheme.pptx
@@ -109,6 +109,11 @@
       </a:defRPr>
     </a:lvl9pPr>
   </p:defaultTextStyle>
+  <p:extLst>
+    <p:ext uri="{EFAFB233-063F-42B5-8137-9DF3F51BA10A}">
+      <p15:sldGuideLst xmlns:p15="http://schemas.microsoft.com/office/powerpoint/2012/main"/>
+    </p:ext>
+  </p:extLst>
 </p:presentation>
 </file>
 
@@ -194,7 +199,7 @@
           <a:p>
             <a:fld id="{EA696801-3F02-644D-9AA7-A71CBF05A8FA}" type="datetimeFigureOut">
               <a:rPr lang="en-US" smtClean="0"/>
-              <a:t>7/10/25</a:t>
+              <a:t>11/14/25</a:t>
             </a:fld>
             <a:endParaRPr lang="en-US"/>
           </a:p>
@@ -505,9 +510,102 @@
           <a:bodyPr/>
           <a:lstStyle/>
           <a:p>
+            <a:pPr marL="228600" indent="-228600">
+              <a:buAutoNum type="arabicPeriod"/>
+            </a:pPr>
             <a:r>
               <a:rPr lang="en-US" dirty="0"/>
-              <a:t>The tool begins with the user's query, which can be a phrase, sentence, or paragraph. Then the query is paraphrased v times using Llama. This is where the population simulation begins. The model assumes two stages: a Haploid stage and a Diploid stage. In the first simulation or generation, N haploid individuals are chosen from the v variants with uniform sampling with replacement. Then each of these is randomly chosen to form zygotes and initiate the diploid stage. Once the zygotes are formed, each haplotype may be subject to meiotic mutation with a mutation rate 𝜇, and then recombination of these two haplotypes may occur with a recombination rate 𝜌. At the end of the diploid stage, 2N haploid copies are obtained, of which N will be randomly selected to form part of the next generation. This process will be repeated t times. At the end of the t generations, the 2N haploid copies are stored, and the user can choose n samples randomly. This random selection of samples can be repeated indefinitely by the user without needing to repeat the simulation.</a:t>
+              <a:t>The tool begins with the user's query, which can be a phrase, sentence, or paragraph. </a:t>
+            </a:r>
+          </a:p>
+          <a:p>
+            <a:pPr marL="228600" indent="-228600">
+              <a:buAutoNum type="arabicPeriod"/>
+            </a:pPr>
+            <a:r>
+              <a:rPr lang="en-US" dirty="0"/>
+              <a:t>Then the query is paraphrased v times using Llama generating v variants (V). This is where the population simulation begins. The model assumes two stages: a Haploid stage and a Diploid stage as in the biological cycle of plasmodium parasites. </a:t>
+            </a:r>
+          </a:p>
+          <a:p>
+            <a:pPr marL="228600" indent="-228600">
+              <a:buAutoNum type="arabicPeriod"/>
+            </a:pPr>
+            <a:r>
+              <a:rPr lang="en-US" dirty="0"/>
+              <a:t>In the first simulation or generation, N haploid individuals are chosen from the v variants with uniform sampling with replacement.</a:t>
+            </a:r>
+          </a:p>
+          <a:p>
+            <a:pPr marL="228600" indent="-228600">
+              <a:buAutoNum type="arabicPeriod"/>
+            </a:pPr>
+            <a:r>
+              <a:rPr lang="en-US" dirty="0"/>
+              <a:t>On each of these N haploid individuals </a:t>
+            </a:r>
+          </a:p>
+          <a:p>
+            <a:pPr marL="228600" indent="-228600">
+              <a:buAutoNum type="arabicPeriod"/>
+            </a:pPr>
+            <a:r>
+              <a:rPr lang="en-US" dirty="0"/>
+              <a:t>Then each of these is randomly chosen to form zygotes and initiate the diploid stage. </a:t>
+            </a:r>
+          </a:p>
+          <a:p>
+            <a:pPr marL="228600" indent="-228600">
+              <a:buAutoNum type="arabicPeriod"/>
+            </a:pPr>
+            <a:r>
+              <a:rPr lang="en-US" dirty="0"/>
+              <a:t>Once the zygotes are formed, each haplotype may be subject to meiotic mutation with a mutation rate 𝜇, and then recombination of these two haplotypes may occur with a recombination rate 𝜌. </a:t>
+            </a:r>
+          </a:p>
+          <a:p>
+            <a:pPr marL="457200" lvl="1" indent="0">
+              <a:buNone/>
+            </a:pPr>
+            <a:r>
+              <a:rPr lang="en-US" dirty="0"/>
+              <a:t>Look next slide for more details.</a:t>
+            </a:r>
+          </a:p>
+          <a:p>
+            <a:pPr marL="228600" indent="-228600">
+              <a:buAutoNum type="arabicPeriod"/>
+            </a:pPr>
+            <a:r>
+              <a:rPr lang="en-US" dirty="0"/>
+              <a:t>At the end of the diploid stage, 2N haploid copies are obtained, of which N will be randomly selected to form part of the next generation. </a:t>
+            </a:r>
+          </a:p>
+          <a:p>
+            <a:pPr marL="457200" lvl="1" indent="0">
+              <a:buNone/>
+            </a:pPr>
+            <a:r>
+              <a:rPr lang="en-US" dirty="0"/>
+              <a:t>This process will be repeated t times. </a:t>
+            </a:r>
+          </a:p>
+          <a:p>
+            <a:pPr marL="228600" indent="-228600">
+              <a:buAutoNum type="arabicPeriod"/>
+            </a:pPr>
+            <a:r>
+              <a:rPr lang="en-US" dirty="0"/>
+              <a:t>At the end of the t generations, the 2N haploid copies are stored, and the user can choose n samples randomly. </a:t>
+            </a:r>
+          </a:p>
+          <a:p>
+            <a:pPr marL="457200" lvl="1" indent="0">
+              <a:buNone/>
+            </a:pPr>
+            <a:r>
+              <a:rPr lang="en-US" dirty="0"/>
+              <a:t>This random selection of samples can be repeated indefinitely by the user without needing to repeat the simulation.</a:t>
             </a:r>
           </a:p>
         </p:txBody>
@@ -539,6 +637,130 @@
     <p:extLst>
       <p:ext uri="{BB962C8B-B14F-4D97-AF65-F5344CB8AC3E}">
         <p14:creationId xmlns:p14="http://schemas.microsoft.com/office/powerpoint/2010/main" val="4078529458"/>
+      </p:ext>
+    </p:extLst>
+  </p:cSld>
+  <p:clrMapOvr>
+    <a:masterClrMapping/>
+  </p:clrMapOvr>
+</p:notes>
+</file>
+
+<file path=ppt/notesSlides/notesSlide2.xml><?xml version="1.0" encoding="utf-8"?>
+<p:notes xmlns:a="http://schemas.openxmlformats.org/drawingml/2006/main" xmlns:r="http://schemas.openxmlformats.org/officeDocument/2006/relationships" xmlns:p="http://schemas.openxmlformats.org/presentationml/2006/main">
+  <p:cSld>
+    <p:spTree>
+      <p:nvGrpSpPr>
+        <p:cNvPr id="1" name=""/>
+        <p:cNvGrpSpPr/>
+        <p:nvPr/>
+      </p:nvGrpSpPr>
+      <p:grpSpPr>
+        <a:xfrm>
+          <a:off x="0" y="0"/>
+          <a:ext cx="0" cy="0"/>
+          <a:chOff x="0" y="0"/>
+          <a:chExt cx="0" cy="0"/>
+        </a:xfrm>
+      </p:grpSpPr>
+      <p:sp>
+        <p:nvSpPr>
+          <p:cNvPr id="2" name="Slide Image Placeholder 1"/>
+          <p:cNvSpPr>
+            <a:spLocks noGrp="1" noRot="1" noChangeAspect="1"/>
+          </p:cNvSpPr>
+          <p:nvPr>
+            <p:ph type="sldImg"/>
+          </p:nvPr>
+        </p:nvSpPr>
+        <p:spPr/>
+      </p:sp>
+      <p:sp>
+        <p:nvSpPr>
+          <p:cNvPr id="3" name="Notes Placeholder 2"/>
+          <p:cNvSpPr>
+            <a:spLocks noGrp="1"/>
+          </p:cNvSpPr>
+          <p:nvPr>
+            <p:ph type="body" idx="1"/>
+          </p:nvPr>
+        </p:nvSpPr>
+        <p:spPr/>
+        <p:txBody>
+          <a:bodyPr/>
+          <a:lstStyle/>
+          <a:p>
+            <a:r>
+              <a:rPr lang="en-US" dirty="0"/>
+              <a:t>Mutation and recombination during the meiotic stage of the simulation:</a:t>
+            </a:r>
+          </a:p>
+          <a:p>
+            <a:r>
+              <a:rPr lang="en-US" dirty="0"/>
+              <a:t>For each haploid sentence within a zygote:</a:t>
+            </a:r>
+          </a:p>
+          <a:p>
+            <a:r>
+              <a:rPr lang="en-US" dirty="0"/>
+              <a:t>Mutation can occur at any of the letters (not including spaces) at a constant mutation rate 𝜇. Mutations include substitution, deletion or insertion of the </a:t>
+            </a:r>
+            <a:r>
+              <a:rPr lang="en-US"/>
+              <a:t>letter.</a:t>
+            </a:r>
+          </a:p>
+          <a:p>
+            <a:endParaRPr lang="en-US" dirty="0"/>
+          </a:p>
+          <a:p>
+            <a:r>
+              <a:rPr lang="en-US" dirty="0"/>
+              <a:t>Notice that separators between words are not including in this process, so the number of words after this step will not change.</a:t>
+            </a:r>
+          </a:p>
+          <a:p>
+            <a:endParaRPr lang="en-US" dirty="0"/>
+          </a:p>
+          <a:p>
+            <a:endParaRPr lang="en-US" dirty="0"/>
+          </a:p>
+          <a:p>
+            <a:r>
+              <a:rPr lang="en-US" dirty="0"/>
+              <a:t>Then the two haploid sentences can recombine at a rate 𝜌, and word separators are used as break points in order to switch words between haploid sentences.</a:t>
+            </a:r>
+          </a:p>
+        </p:txBody>
+      </p:sp>
+      <p:sp>
+        <p:nvSpPr>
+          <p:cNvPr id="4" name="Slide Number Placeholder 3"/>
+          <p:cNvSpPr>
+            <a:spLocks noGrp="1"/>
+          </p:cNvSpPr>
+          <p:nvPr>
+            <p:ph type="sldNum" sz="quarter" idx="5"/>
+          </p:nvPr>
+        </p:nvSpPr>
+        <p:spPr/>
+        <p:txBody>
+          <a:bodyPr/>
+          <a:lstStyle/>
+          <a:p>
+            <a:fld id="{BA9C3CCD-85DC-FF4B-B178-8B54A6B9E0D7}" type="slidenum">
+              <a:rPr lang="en-US" smtClean="0"/>
+              <a:t>3</a:t>
+            </a:fld>
+            <a:endParaRPr lang="en-US"/>
+          </a:p>
+        </p:txBody>
+      </p:sp>
+    </p:spTree>
+    <p:extLst>
+      <p:ext uri="{BB962C8B-B14F-4D97-AF65-F5344CB8AC3E}">
+        <p14:creationId xmlns:p14="http://schemas.microsoft.com/office/powerpoint/2010/main" val="3572779470"/>
       </p:ext>
     </p:extLst>
   </p:cSld>
@@ -695,7 +917,7 @@
           <a:p>
             <a:fld id="{D87CB466-08D1-5241-B572-E4EBC26890D4}" type="datetimeFigureOut">
               <a:rPr lang="en-US" smtClean="0"/>
-              <a:t>7/10/25</a:t>
+              <a:t>11/14/25</a:t>
             </a:fld>
             <a:endParaRPr lang="en-US"/>
           </a:p>
@@ -893,7 +1115,7 @@
           <a:p>
             <a:fld id="{D87CB466-08D1-5241-B572-E4EBC26890D4}" type="datetimeFigureOut">
               <a:rPr lang="en-US" smtClean="0"/>
-              <a:t>7/10/25</a:t>
+              <a:t>11/14/25</a:t>
             </a:fld>
             <a:endParaRPr lang="en-US"/>
           </a:p>
@@ -1101,7 +1323,7 @@
           <a:p>
             <a:fld id="{D87CB466-08D1-5241-B572-E4EBC26890D4}" type="datetimeFigureOut">
               <a:rPr lang="en-US" smtClean="0"/>
-              <a:t>7/10/25</a:t>
+              <a:t>11/14/25</a:t>
             </a:fld>
             <a:endParaRPr lang="en-US"/>
           </a:p>
@@ -1299,7 +1521,7 @@
           <a:p>
             <a:fld id="{D87CB466-08D1-5241-B572-E4EBC26890D4}" type="datetimeFigureOut">
               <a:rPr lang="en-US" smtClean="0"/>
-              <a:t>7/10/25</a:t>
+              <a:t>11/14/25</a:t>
             </a:fld>
             <a:endParaRPr lang="en-US"/>
           </a:p>
@@ -1574,7 +1796,7 @@
           <a:p>
             <a:fld id="{D87CB466-08D1-5241-B572-E4EBC26890D4}" type="datetimeFigureOut">
               <a:rPr lang="en-US" smtClean="0"/>
-              <a:t>7/10/25</a:t>
+              <a:t>11/14/25</a:t>
             </a:fld>
             <a:endParaRPr lang="en-US"/>
           </a:p>
@@ -1839,7 +2061,7 @@
           <a:p>
             <a:fld id="{D87CB466-08D1-5241-B572-E4EBC26890D4}" type="datetimeFigureOut">
               <a:rPr lang="en-US" smtClean="0"/>
-              <a:t>7/10/25</a:t>
+              <a:t>11/14/25</a:t>
             </a:fld>
             <a:endParaRPr lang="en-US"/>
           </a:p>
@@ -2251,7 +2473,7 @@
           <a:p>
             <a:fld id="{D87CB466-08D1-5241-B572-E4EBC26890D4}" type="datetimeFigureOut">
               <a:rPr lang="en-US" smtClean="0"/>
-              <a:t>7/10/25</a:t>
+              <a:t>11/14/25</a:t>
             </a:fld>
             <a:endParaRPr lang="en-US"/>
           </a:p>
@@ -2392,7 +2614,7 @@
           <a:p>
             <a:fld id="{D87CB466-08D1-5241-B572-E4EBC26890D4}" type="datetimeFigureOut">
               <a:rPr lang="en-US" smtClean="0"/>
-              <a:t>7/10/25</a:t>
+              <a:t>11/14/25</a:t>
             </a:fld>
             <a:endParaRPr lang="en-US"/>
           </a:p>
@@ -2505,7 +2727,7 @@
           <a:p>
             <a:fld id="{D87CB466-08D1-5241-B572-E4EBC26890D4}" type="datetimeFigureOut">
               <a:rPr lang="en-US" smtClean="0"/>
-              <a:t>7/10/25</a:t>
+              <a:t>11/14/25</a:t>
             </a:fld>
             <a:endParaRPr lang="en-US"/>
           </a:p>
@@ -2816,7 +3038,7 @@
           <a:p>
             <a:fld id="{D87CB466-08D1-5241-B572-E4EBC26890D4}" type="datetimeFigureOut">
               <a:rPr lang="en-US" smtClean="0"/>
-              <a:t>7/10/25</a:t>
+              <a:t>11/14/25</a:t>
             </a:fld>
             <a:endParaRPr lang="en-US"/>
           </a:p>
@@ -3104,7 +3326,7 @@
           <a:p>
             <a:fld id="{D87CB466-08D1-5241-B572-E4EBC26890D4}" type="datetimeFigureOut">
               <a:rPr lang="en-US" smtClean="0"/>
-              <a:t>7/10/25</a:t>
+              <a:t>11/14/25</a:t>
             </a:fld>
             <a:endParaRPr lang="en-US"/>
           </a:p>
@@ -3345,7 +3567,7 @@
           <a:p>
             <a:fld id="{D87CB466-08D1-5241-B572-E4EBC26890D4}" type="datetimeFigureOut">
               <a:rPr lang="en-US" smtClean="0"/>
-              <a:t>7/10/25</a:t>
+              <a:t>11/14/25</a:t>
             </a:fld>
             <a:endParaRPr lang="en-US"/>
           </a:p>
@@ -9023,26 +9245,14 @@
           <a:p>
             <a:pPr algn="ctr"/>
             <a:r>
-              <a:rPr lang="en-US" sz="1400" dirty="0">
-                <a:solidFill>
-                  <a:schemeClr val="bg2">
-                    <a:lumMod val="50000"/>
-                  </a:schemeClr>
-                </a:solidFill>
-              </a:rPr>
-              <a:t>** Mitotic mutation</a:t>
+              <a:rPr lang="en-US" sz="1400" dirty="0"/>
+              <a:t>* Mitotic mutation</a:t>
             </a:r>
           </a:p>
           <a:p>
             <a:pPr algn="ctr"/>
             <a:r>
-              <a:rPr lang="en-US" sz="1400" dirty="0">
-                <a:solidFill>
-                  <a:schemeClr val="bg2">
-                    <a:lumMod val="50000"/>
-                  </a:schemeClr>
-                </a:solidFill>
-              </a:rPr>
+              <a:rPr lang="en-US" sz="1400" dirty="0"/>
               <a:t>𝜇</a:t>
             </a:r>
           </a:p>
@@ -9069,15 +9279,12 @@
             <a:avLst/>
           </a:prstGeom>
           <a:solidFill>
-            <a:schemeClr val="accent1">
-              <a:alpha val="45000"/>
-            </a:schemeClr>
+            <a:schemeClr val="accent1"/>
           </a:solidFill>
           <a:ln>
             <a:solidFill>
               <a:schemeClr val="accent1">
                 <a:shade val="15000"/>
-                <a:alpha val="38000"/>
               </a:schemeClr>
             </a:solidFill>
           </a:ln>
@@ -9773,41 +9980,6 @@
                 </a:solidFill>
               </a:rPr>
               <a:t>Diploid stage</a:t>
-            </a:r>
-          </a:p>
-        </p:txBody>
-      </p:sp>
-      <p:sp>
-        <p:nvSpPr>
-          <p:cNvPr id="156" name="TextBox 155">
-            <a:extLst>
-              <a:ext uri="{FF2B5EF4-FFF2-40B4-BE49-F238E27FC236}">
-                <a16:creationId xmlns:a16="http://schemas.microsoft.com/office/drawing/2014/main" id="{CB829246-A8A1-04C3-EBE7-59355D8B8DA1}"/>
-              </a:ext>
-            </a:extLst>
-          </p:cNvPr>
-          <p:cNvSpPr txBox="1"/>
-          <p:nvPr/>
-        </p:nvSpPr>
-        <p:spPr>
-          <a:xfrm>
-            <a:off x="509666" y="6071016"/>
-            <a:ext cx="1677639" cy="369332"/>
-          </a:xfrm>
-          <a:prstGeom prst="rect">
-            <a:avLst/>
-          </a:prstGeom>
-          <a:noFill/>
-        </p:spPr>
-        <p:txBody>
-          <a:bodyPr wrap="none" rtlCol="0">
-            <a:spAutoFit/>
-          </a:bodyPr>
-          <a:lstStyle/>
-          <a:p>
-            <a:r>
-              <a:rPr lang="en-US" dirty="0"/>
-              <a:t>** No available</a:t>
             </a:r>
           </a:p>
         </p:txBody>
@@ -9965,7 +10137,7 @@
           <p:nvPr/>
         </p:nvPicPr>
         <p:blipFill>
-          <a:blip r:embed="rId2"/>
+          <a:blip r:embed="rId3"/>
           <a:stretch>
             <a:fillRect/>
           </a:stretch>
@@ -10030,7 +10202,7 @@
           <p:nvPr/>
         </p:nvPicPr>
         <p:blipFill>
-          <a:blip r:embed="rId3"/>
+          <a:blip r:embed="rId4"/>
           <a:stretch>
             <a:fillRect/>
           </a:stretch>
@@ -10237,7 +10409,7 @@
           <p:nvPr/>
         </p:nvPicPr>
         <p:blipFill>
-          <a:blip r:embed="rId4"/>
+          <a:blip r:embed="rId5"/>
           <a:stretch>
             <a:fillRect/>
           </a:stretch>
